--- a/week1/week1.pptx
+++ b/week1/week1.pptx
@@ -17,6 +17,7 @@
     <p:sldId id="265" r:id="rId11"/>
     <p:sldId id="261" r:id="rId12"/>
     <p:sldId id="266" r:id="rId13"/>
+    <p:sldId id="269" r:id="rId14"/>
   </p:sldIdLst>
   <p:sldSz cx="12192000" cy="6858000"/>
   <p:notesSz cx="6858000" cy="9144000"/>
@@ -115,6 +116,11 @@
       </a:defRPr>
     </a:lvl9pPr>
   </p:defaultTextStyle>
+  <p:extLst>
+    <p:ext uri="{EFAFB233-063F-42B5-8137-9DF3F51BA10A}">
+      <p15:sldGuideLst xmlns:p15="http://schemas.microsoft.com/office/powerpoint/2012/main"/>
+    </p:ext>
+  </p:extLst>
 </p:presentation>
 </file>
 
@@ -3396,6 +3402,83 @@
 </p:sld>
 </file>
 
+<file path=ppt/slides/slide13.xml><?xml version="1.0" encoding="utf-8"?>
+<p:sld xmlns:a="http://schemas.openxmlformats.org/drawingml/2006/main" xmlns:r="http://schemas.openxmlformats.org/officeDocument/2006/relationships" xmlns:p="http://schemas.openxmlformats.org/presentationml/2006/main">
+  <p:cSld>
+    <p:spTree>
+      <p:nvGrpSpPr>
+        <p:cNvPr id="1" name=""/>
+        <p:cNvGrpSpPr/>
+        <p:nvPr/>
+      </p:nvGrpSpPr>
+      <p:grpSpPr>
+        <a:xfrm>
+          <a:off x="0" y="0"/>
+          <a:ext cx="0" cy="0"/>
+          <a:chOff x="0" y="0"/>
+          <a:chExt cx="0" cy="0"/>
+        </a:xfrm>
+      </p:grpSpPr>
+      <p:sp>
+        <p:nvSpPr>
+          <p:cNvPr id="2" name="제목 1"/>
+          <p:cNvSpPr>
+            <a:spLocks noGrp="1"/>
+          </p:cNvSpPr>
+          <p:nvPr>
+            <p:ph type="title"/>
+          </p:nvPr>
+        </p:nvSpPr>
+        <p:spPr/>
+        <p:txBody>
+          <a:bodyPr/>
+          <a:lstStyle/>
+          <a:p>
+            <a:r>
+              <a:rPr lang="en-US" altLang="ko-KR" dirty="0" smtClean="0"/>
+              <a:t>DCGAN(Deep Convolutional GAN)</a:t>
+            </a:r>
+            <a:endParaRPr lang="ko-KR" altLang="en-US" dirty="0"/>
+          </a:p>
+        </p:txBody>
+      </p:sp>
+      <p:pic>
+        <p:nvPicPr>
+          <p:cNvPr id="4" name="그림 3"/>
+          <p:cNvPicPr>
+            <a:picLocks noChangeAspect="1"/>
+          </p:cNvPicPr>
+          <p:nvPr/>
+        </p:nvPicPr>
+        <p:blipFill>
+          <a:blip r:embed="rId2"/>
+          <a:stretch>
+            <a:fillRect/>
+          </a:stretch>
+        </p:blipFill>
+        <p:spPr>
+          <a:xfrm>
+            <a:off x="1525268" y="1690688"/>
+            <a:ext cx="9141464" cy="4772328"/>
+          </a:xfrm>
+          <a:prstGeom prst="rect">
+            <a:avLst/>
+          </a:prstGeom>
+        </p:spPr>
+      </p:pic>
+    </p:spTree>
+    <p:extLst>
+      <p:ext uri="{BB962C8B-B14F-4D97-AF65-F5344CB8AC3E}">
+        <p14:creationId xmlns:p14="http://schemas.microsoft.com/office/powerpoint/2010/main" val="3707050095"/>
+      </p:ext>
+    </p:extLst>
+  </p:cSld>
+  <p:clrMapOvr>
+    <a:masterClrMapping/>
+  </p:clrMapOvr>
+</p:sld>
+</file>
+
 <file path=ppt/slides/slide2.xml><?xml version="1.0" encoding="utf-8"?>
 <p:sld xmlns:a="http://schemas.openxmlformats.org/drawingml/2006/main" xmlns:r="http://schemas.openxmlformats.org/officeDocument/2006/relationships" xmlns:p="http://schemas.openxmlformats.org/presentationml/2006/main">
   <p:cSld>
@@ -3517,11 +3600,7 @@
             </a:pPr>
             <a:r>
               <a:rPr lang="en-US" altLang="ko-KR" dirty="0" smtClean="0"/>
-              <a:t>-&gt; </a:t>
-            </a:r>
-            <a:r>
-              <a:rPr lang="en-US" altLang="ko-KR" dirty="0" smtClean="0"/>
-              <a:t>model</a:t>
+              <a:t>-&gt; model</a:t>
             </a:r>
             <a:r>
               <a:rPr lang="ko-KR" altLang="en-US" dirty="0" smtClean="0"/>
@@ -3541,11 +3620,7 @@
             </a:r>
             <a:r>
               <a:rPr lang="ko-KR" altLang="en-US" dirty="0" smtClean="0"/>
-              <a:t>라고 가</a:t>
-            </a:r>
-            <a:r>
-              <a:rPr lang="ko-KR" altLang="en-US" dirty="0" smtClean="0"/>
-              <a:t>정</a:t>
+              <a:t>라고 가정</a:t>
             </a:r>
             <a:endParaRPr lang="ko-KR" altLang="en-US" dirty="0"/>
           </a:p>
@@ -3999,99 +4074,424 @@
           </a:p>
         </p:txBody>
       </p:sp>
+      <mc:AlternateContent xmlns:mc="http://schemas.openxmlformats.org/markup-compatibility/2006">
+        <mc:Choice xmlns:a14="http://schemas.microsoft.com/office/drawing/2010/main" Requires="a14">
+          <p:sp>
+            <p:nvSpPr>
+              <p:cNvPr id="10" name="TextBox 9"/>
+              <p:cNvSpPr txBox="1"/>
+              <p:nvPr/>
+            </p:nvSpPr>
+            <p:spPr>
+              <a:xfrm>
+                <a:off x="897623" y="3962020"/>
+                <a:ext cx="4714624" cy="312650"/>
+              </a:xfrm>
+              <a:prstGeom prst="rect">
+                <a:avLst/>
+              </a:prstGeom>
+              <a:noFill/>
+            </p:spPr>
+            <p:txBody>
+              <a:bodyPr wrap="none" lIns="0" tIns="0" rIns="0" bIns="0" rtlCol="0">
+                <a:spAutoFit/>
+              </a:bodyPr>
+              <a:lstStyle/>
+              <a:p>
+                <a14:m>
+                  <m:oMathPara xmlns:m="http://schemas.openxmlformats.org/officeDocument/2006/math">
+                    <m:oMathParaPr>
+                      <m:jc m:val="centerGroup"/>
+                    </m:oMathParaPr>
+                    <m:oMath xmlns:m="http://schemas.openxmlformats.org/officeDocument/2006/math">
+                      <m:r>
+                        <a:rPr lang="en-US" altLang="ko-KR" b="0" i="1" smtClean="0">
+                          <a:latin typeface="Cambria Math" panose="02040503050406030204" pitchFamily="18" charset="0"/>
+                        </a:rPr>
+                        <m:t>𝐷𝑖𝑠𝑐𝑟𝑖𝑚𝑖𝑛𝑎𝑡𝑜𝑟</m:t>
+                      </m:r>
+                      <m:r>
+                        <a:rPr lang="en-US" altLang="ko-KR" b="0" i="1" smtClean="0">
+                          <a:latin typeface="Cambria Math" panose="02040503050406030204" pitchFamily="18" charset="0"/>
+                        </a:rPr>
+                        <m:t>: </m:t>
+                      </m:r>
+                      <m:r>
+                        <a:rPr lang="en-US" altLang="ko-KR" b="0" i="1" smtClean="0">
+                          <a:latin typeface="Cambria Math" panose="02040503050406030204" pitchFamily="18" charset="0"/>
+                        </a:rPr>
+                        <m:t>𝐷</m:t>
+                      </m:r>
+                      <m:d>
+                        <m:dPr>
+                          <m:ctrlPr>
+                            <a:rPr lang="en-US" altLang="ko-KR" b="0" i="1" smtClean="0">
+                              <a:latin typeface="Cambria Math" panose="02040503050406030204" pitchFamily="18" charset="0"/>
+                            </a:rPr>
+                          </m:ctrlPr>
+                        </m:dPr>
+                        <m:e>
+                          <m:r>
+                            <a:rPr lang="en-US" altLang="ko-KR" b="0" i="1" smtClean="0">
+                              <a:latin typeface="Cambria Math" panose="02040503050406030204" pitchFamily="18" charset="0"/>
+                            </a:rPr>
+                            <m:t>𝑥</m:t>
+                          </m:r>
+                        </m:e>
+                      </m:d>
+                      <m:r>
+                        <a:rPr lang="en-US" altLang="ko-KR" b="0" i="1" smtClean="0">
+                          <a:latin typeface="Cambria Math" panose="02040503050406030204" pitchFamily="18" charset="0"/>
+                        </a:rPr>
+                        <m:t> →  1,  </m:t>
+                      </m:r>
+                      <m:r>
+                        <a:rPr lang="en-US" altLang="ko-KR" b="0" i="1" smtClean="0">
+                          <a:latin typeface="Cambria Math" panose="02040503050406030204" pitchFamily="18" charset="0"/>
+                        </a:rPr>
+                        <m:t>𝐷</m:t>
+                      </m:r>
+                      <m:d>
+                        <m:dPr>
+                          <m:ctrlPr>
+                            <a:rPr lang="en-US" altLang="ko-KR" b="0" i="1" smtClean="0">
+                              <a:latin typeface="Cambria Math" panose="02040503050406030204" pitchFamily="18" charset="0"/>
+                            </a:rPr>
+                          </m:ctrlPr>
+                        </m:dPr>
+                        <m:e>
+                          <m:r>
+                            <a:rPr lang="en-US" altLang="ko-KR" b="0" i="1" smtClean="0">
+                              <a:latin typeface="Cambria Math" panose="02040503050406030204" pitchFamily="18" charset="0"/>
+                            </a:rPr>
+                            <m:t>𝐺</m:t>
+                          </m:r>
+                          <m:d>
+                            <m:dPr>
+                              <m:ctrlPr>
+                                <a:rPr lang="en-US" altLang="ko-KR" b="0" i="1" smtClean="0">
+                                  <a:latin typeface="Cambria Math" panose="02040503050406030204" pitchFamily="18" charset="0"/>
+                                </a:rPr>
+                              </m:ctrlPr>
+                            </m:dPr>
+                            <m:e>
+                              <m:r>
+                                <a:rPr lang="en-US" altLang="ko-KR" b="0" i="1" smtClean="0">
+                                  <a:latin typeface="Cambria Math" panose="02040503050406030204" pitchFamily="18" charset="0"/>
+                                </a:rPr>
+                                <m:t>𝑧</m:t>
+                              </m:r>
+                            </m:e>
+                          </m:d>
+                        </m:e>
+                      </m:d>
+                      <m:r>
+                        <a:rPr lang="en-US" altLang="ko-KR" b="0" i="1" smtClean="0">
+                          <a:latin typeface="Cambria Math" panose="02040503050406030204" pitchFamily="18" charset="0"/>
+                        </a:rPr>
+                        <m:t>→  0</m:t>
+                      </m:r>
+                    </m:oMath>
+                  </m:oMathPara>
+                </a14:m>
+                <a:endParaRPr lang="ko-KR" altLang="en-US" dirty="0"/>
+              </a:p>
+            </p:txBody>
+          </p:sp>
+        </mc:Choice>
+        <mc:Fallback>
+          <p:sp>
+            <p:nvSpPr>
+              <p:cNvPr id="10" name="TextBox 9"/>
+              <p:cNvSpPr txBox="1">
+                <a:spLocks noRot="1" noChangeAspect="1" noMove="1" noResize="1" noEditPoints="1" noAdjustHandles="1" noChangeArrowheads="1" noChangeShapeType="1" noTextEdit="1"/>
+              </p:cNvSpPr>
+              <p:nvPr/>
+            </p:nvSpPr>
+            <p:spPr>
+              <a:xfrm>
+                <a:off x="897623" y="3962020"/>
+                <a:ext cx="4714624" cy="312650"/>
+              </a:xfrm>
+              <a:prstGeom prst="rect">
+                <a:avLst/>
+              </a:prstGeom>
+              <a:blipFill>
+                <a:blip r:embed="rId2"/>
+                <a:stretch>
+                  <a:fillRect l="-517" r="-388" b="-3922"/>
+                </a:stretch>
+              </a:blipFill>
+            </p:spPr>
+            <p:txBody>
+              <a:bodyPr/>
+              <a:lstStyle/>
+              <a:p>
+                <a:r>
+                  <a:rPr lang="ko-KR" altLang="en-US">
+                    <a:noFill/>
+                  </a:rPr>
+                  <a:t> </a:t>
+                </a:r>
+              </a:p>
+            </p:txBody>
+          </p:sp>
+        </mc:Fallback>
+      </mc:AlternateContent>
+      <mc:AlternateContent xmlns:mc="http://schemas.openxmlformats.org/markup-compatibility/2006">
+        <mc:Choice xmlns:a14="http://schemas.microsoft.com/office/drawing/2010/main" Requires="a14">
+          <p:sp>
+            <p:nvSpPr>
+              <p:cNvPr id="11" name="TextBox 10"/>
+              <p:cNvSpPr txBox="1"/>
+              <p:nvPr/>
+            </p:nvSpPr>
+            <p:spPr>
+              <a:xfrm>
+                <a:off x="897623" y="4789638"/>
+                <a:ext cx="2747611" cy="312650"/>
+              </a:xfrm>
+              <a:prstGeom prst="rect">
+                <a:avLst/>
+              </a:prstGeom>
+              <a:noFill/>
+            </p:spPr>
+            <p:txBody>
+              <a:bodyPr wrap="none" lIns="0" tIns="0" rIns="0" bIns="0" rtlCol="0">
+                <a:spAutoFit/>
+              </a:bodyPr>
+              <a:lstStyle/>
+              <a:p>
+                <a14:m>
+                  <m:oMathPara xmlns:m="http://schemas.openxmlformats.org/officeDocument/2006/math">
+                    <m:oMathParaPr>
+                      <m:jc m:val="centerGroup"/>
+                    </m:oMathParaPr>
+                    <m:oMath xmlns:m="http://schemas.openxmlformats.org/officeDocument/2006/math">
+                      <m:r>
+                        <a:rPr lang="en-US" altLang="ko-KR" b="0" i="1" smtClean="0">
+                          <a:latin typeface="Cambria Math" panose="02040503050406030204" pitchFamily="18" charset="0"/>
+                        </a:rPr>
+                        <m:t>𝐺𝑒𝑛𝑒𝑟𝑎𝑡𝑜𝑟</m:t>
+                      </m:r>
+                      <m:r>
+                        <a:rPr lang="en-US" altLang="ko-KR" b="0" i="1" smtClean="0">
+                          <a:latin typeface="Cambria Math" panose="02040503050406030204" pitchFamily="18" charset="0"/>
+                        </a:rPr>
+                        <m:t>: </m:t>
+                      </m:r>
+                      <m:r>
+                        <a:rPr lang="en-US" altLang="ko-KR" b="0" i="1" smtClean="0">
+                          <a:latin typeface="Cambria Math" panose="02040503050406030204" pitchFamily="18" charset="0"/>
+                        </a:rPr>
+                        <m:t>𝐷</m:t>
+                      </m:r>
+                      <m:d>
+                        <m:dPr>
+                          <m:ctrlPr>
+                            <a:rPr lang="en-US" altLang="ko-KR" b="0" i="1" smtClean="0">
+                              <a:latin typeface="Cambria Math" panose="02040503050406030204" pitchFamily="18" charset="0"/>
+                            </a:rPr>
+                          </m:ctrlPr>
+                        </m:dPr>
+                        <m:e>
+                          <m:r>
+                            <a:rPr lang="en-US" altLang="ko-KR" b="0" i="1" smtClean="0">
+                              <a:latin typeface="Cambria Math" panose="02040503050406030204" pitchFamily="18" charset="0"/>
+                            </a:rPr>
+                            <m:t>𝐺</m:t>
+                          </m:r>
+                          <m:d>
+                            <m:dPr>
+                              <m:ctrlPr>
+                                <a:rPr lang="en-US" altLang="ko-KR" b="0" i="1" smtClean="0">
+                                  <a:latin typeface="Cambria Math" panose="02040503050406030204" pitchFamily="18" charset="0"/>
+                                </a:rPr>
+                              </m:ctrlPr>
+                            </m:dPr>
+                            <m:e>
+                              <m:r>
+                                <a:rPr lang="en-US" altLang="ko-KR" b="0" i="1" smtClean="0">
+                                  <a:latin typeface="Cambria Math" panose="02040503050406030204" pitchFamily="18" charset="0"/>
+                                </a:rPr>
+                                <m:t>𝑧</m:t>
+                              </m:r>
+                            </m:e>
+                          </m:d>
+                        </m:e>
+                      </m:d>
+                      <m:r>
+                        <a:rPr lang="en-US" altLang="ko-KR" b="0" i="1" smtClean="0">
+                          <a:latin typeface="Cambria Math" panose="02040503050406030204" pitchFamily="18" charset="0"/>
+                        </a:rPr>
+                        <m:t> →  1</m:t>
+                      </m:r>
+                    </m:oMath>
+                  </m:oMathPara>
+                </a14:m>
+                <a:endParaRPr lang="ko-KR" altLang="en-US" dirty="0"/>
+              </a:p>
+            </p:txBody>
+          </p:sp>
+        </mc:Choice>
+        <mc:Fallback>
+          <p:sp>
+            <p:nvSpPr>
+              <p:cNvPr id="11" name="TextBox 10"/>
+              <p:cNvSpPr txBox="1">
+                <a:spLocks noRot="1" noChangeAspect="1" noMove="1" noResize="1" noEditPoints="1" noAdjustHandles="1" noChangeArrowheads="1" noChangeShapeType="1" noTextEdit="1"/>
+              </p:cNvSpPr>
+              <p:nvPr/>
+            </p:nvSpPr>
+            <p:spPr>
+              <a:xfrm>
+                <a:off x="897623" y="4789638"/>
+                <a:ext cx="2747611" cy="312650"/>
+              </a:xfrm>
+              <a:prstGeom prst="rect">
+                <a:avLst/>
+              </a:prstGeom>
+              <a:blipFill>
+                <a:blip r:embed="rId3"/>
+                <a:stretch>
+                  <a:fillRect l="-887" r="-1109" b="-1961"/>
+                </a:stretch>
+              </a:blipFill>
+            </p:spPr>
+            <p:txBody>
+              <a:bodyPr/>
+              <a:lstStyle/>
+              <a:p>
+                <a:r>
+                  <a:rPr lang="ko-KR" altLang="en-US">
+                    <a:noFill/>
+                  </a:rPr>
+                  <a:t> </a:t>
+                </a:r>
+              </a:p>
+            </p:txBody>
+          </p:sp>
+        </mc:Fallback>
+      </mc:AlternateContent>
+      <mc:AlternateContent xmlns:mc="http://schemas.openxmlformats.org/markup-compatibility/2006">
+        <mc:Choice xmlns:a14="http://schemas.microsoft.com/office/drawing/2010/main" Requires="a14">
+          <p:sp>
+            <p:nvSpPr>
+              <p:cNvPr id="12" name="TextBox 11"/>
+              <p:cNvSpPr txBox="1"/>
+              <p:nvPr/>
+            </p:nvSpPr>
+            <p:spPr>
+              <a:xfrm>
+                <a:off x="897623" y="3097550"/>
+                <a:ext cx="2064091" cy="276999"/>
+              </a:xfrm>
+              <a:prstGeom prst="rect">
+                <a:avLst/>
+              </a:prstGeom>
+              <a:noFill/>
+            </p:spPr>
+            <p:txBody>
+              <a:bodyPr wrap="none" lIns="0" tIns="0" rIns="0" bIns="0" rtlCol="0">
+                <a:spAutoFit/>
+              </a:bodyPr>
+              <a:lstStyle/>
+              <a:p>
+                <a14:m>
+                  <m:oMathPara xmlns:m="http://schemas.openxmlformats.org/officeDocument/2006/math">
+                    <m:oMathParaPr>
+                      <m:jc m:val="centerGroup"/>
+                    </m:oMathParaPr>
+                    <m:oMath xmlns:m="http://schemas.openxmlformats.org/officeDocument/2006/math">
+                      <m:r>
+                        <a:rPr lang="en-US" altLang="ko-KR" b="0" i="1" smtClean="0">
+                          <a:latin typeface="Cambria Math" panose="02040503050406030204" pitchFamily="18" charset="0"/>
+                        </a:rPr>
+                        <m:t>𝑂𝑏𝑗𝑒𝑐𝑡𝑖𝑣𝑒</m:t>
+                      </m:r>
+                      <m:r>
+                        <a:rPr lang="en-US" altLang="ko-KR" b="0" i="1" smtClean="0">
+                          <a:latin typeface="Cambria Math" panose="02040503050406030204" pitchFamily="18" charset="0"/>
+                        </a:rPr>
+                        <m:t> </m:t>
+                      </m:r>
+                      <m:r>
+                        <a:rPr lang="en-US" altLang="ko-KR" b="0" i="1" smtClean="0">
+                          <a:latin typeface="Cambria Math" panose="02040503050406030204" pitchFamily="18" charset="0"/>
+                        </a:rPr>
+                        <m:t>𝐹𝑢𝑛𝑐𝑡𝑖𝑜𝑛</m:t>
+                      </m:r>
+                    </m:oMath>
+                  </m:oMathPara>
+                </a14:m>
+                <a:endParaRPr lang="ko-KR" altLang="en-US" dirty="0"/>
+              </a:p>
+            </p:txBody>
+          </p:sp>
+        </mc:Choice>
+        <mc:Fallback>
+          <p:sp>
+            <p:nvSpPr>
+              <p:cNvPr id="12" name="TextBox 11"/>
+              <p:cNvSpPr txBox="1">
+                <a:spLocks noRot="1" noChangeAspect="1" noMove="1" noResize="1" noEditPoints="1" noAdjustHandles="1" noChangeArrowheads="1" noChangeShapeType="1" noTextEdit="1"/>
+              </p:cNvSpPr>
+              <p:nvPr/>
+            </p:nvSpPr>
+            <p:spPr>
+              <a:xfrm>
+                <a:off x="897623" y="3097550"/>
+                <a:ext cx="2064091" cy="276999"/>
+              </a:xfrm>
+              <a:prstGeom prst="rect">
+                <a:avLst/>
+              </a:prstGeom>
+              <a:blipFill>
+                <a:blip r:embed="rId4"/>
+                <a:stretch>
+                  <a:fillRect l="-2950" r="-1770" b="-36957"/>
+                </a:stretch>
+              </a:blipFill>
+            </p:spPr>
+            <p:txBody>
+              <a:bodyPr/>
+              <a:lstStyle/>
+              <a:p>
+                <a:r>
+                  <a:rPr lang="ko-KR" altLang="en-US">
+                    <a:noFill/>
+                  </a:rPr>
+                  <a:t> </a:t>
+                </a:r>
+              </a:p>
+            </p:txBody>
+          </p:sp>
+        </mc:Fallback>
+      </mc:AlternateContent>
       <p:pic>
         <p:nvPicPr>
-          <p:cNvPr id="4" name="그림 3"/>
+          <p:cNvPr id="14" name="그림 13"/>
           <p:cNvPicPr>
             <a:picLocks noChangeAspect="1"/>
           </p:cNvPicPr>
           <p:nvPr/>
         </p:nvPicPr>
         <p:blipFill>
-          <a:blip r:embed="rId2"/>
+          <a:blip r:embed="rId5"/>
           <a:stretch>
             <a:fillRect/>
           </a:stretch>
         </p:blipFill>
         <p:spPr>
           <a:xfrm>
-            <a:off x="3010949" y="2793159"/>
-            <a:ext cx="7833635" cy="885782"/>
+            <a:off x="3354086" y="2974899"/>
+            <a:ext cx="6700357" cy="530527"/>
           </a:xfrm>
           <a:prstGeom prst="rect">
             <a:avLst/>
           </a:prstGeom>
         </p:spPr>
       </p:pic>
-      <p:sp>
-        <p:nvSpPr>
-          <p:cNvPr id="5" name="TextBox 4"/>
-          <p:cNvSpPr txBox="1"/>
-          <p:nvPr/>
-        </p:nvSpPr>
-        <p:spPr>
-          <a:xfrm>
-            <a:off x="838200" y="3051384"/>
-            <a:ext cx="2172749" cy="369332"/>
-          </a:xfrm>
-          <a:prstGeom prst="rect">
-            <a:avLst/>
-          </a:prstGeom>
-          <a:noFill/>
-        </p:spPr>
-        <p:txBody>
-          <a:bodyPr wrap="square" rtlCol="0">
-            <a:spAutoFit/>
-          </a:bodyPr>
-          <a:lstStyle/>
-          <a:p>
-            <a:r>
-              <a:rPr lang="en-US" altLang="ko-KR" dirty="0" smtClean="0"/>
-              <a:t>Objective function:</a:t>
-            </a:r>
-            <a:endParaRPr lang="ko-KR" altLang="en-US" dirty="0"/>
-          </a:p>
-        </p:txBody>
-      </p:sp>
-      <p:sp>
-        <p:nvSpPr>
-          <p:cNvPr id="6" name="TextBox 5"/>
-          <p:cNvSpPr txBox="1"/>
-          <p:nvPr/>
-        </p:nvSpPr>
-        <p:spPr>
-          <a:xfrm>
-            <a:off x="838200" y="3892491"/>
-            <a:ext cx="4647501" cy="923330"/>
-          </a:xfrm>
-          <a:prstGeom prst="rect">
-            <a:avLst/>
-          </a:prstGeom>
-          <a:noFill/>
-        </p:spPr>
-        <p:txBody>
-          <a:bodyPr wrap="square" rtlCol="0">
-            <a:spAutoFit/>
-          </a:bodyPr>
-          <a:lstStyle/>
-          <a:p>
-            <a:r>
-              <a:rPr lang="en-US" altLang="ko-KR" dirty="0" smtClean="0"/>
-              <a:t>Discriminator: -D(x) -&gt; 1, -D(G(z)) -&gt; 0</a:t>
-            </a:r>
-            <a:endParaRPr lang="ko-KR" altLang="en-US" dirty="0" smtClean="0"/>
-          </a:p>
-          <a:p>
-            <a:endParaRPr lang="en-US" altLang="ko-KR" dirty="0" smtClean="0"/>
-          </a:p>
-          <a:p>
-            <a:r>
-              <a:rPr lang="en-US" altLang="ko-KR" dirty="0" smtClean="0"/>
-              <a:t>Generator: D(G(z)) -&gt; 1</a:t>
-            </a:r>
-          </a:p>
-        </p:txBody>
-      </p:sp>
     </p:spTree>
     <p:extLst>
       <p:ext uri="{BB962C8B-B14F-4D97-AF65-F5344CB8AC3E}">

--- a/week1/week1.pptx
+++ b/week1/week1.pptx
@@ -3519,113 +3519,30 @@
           </a:p>
         </p:txBody>
       </p:sp>
-      <p:sp>
-        <p:nvSpPr>
-          <p:cNvPr id="3" name="내용 개체 틀 2"/>
-          <p:cNvSpPr>
-            <a:spLocks noGrp="1"/>
-          </p:cNvSpPr>
-          <p:nvPr>
-            <p:ph idx="1"/>
-          </p:nvPr>
-        </p:nvSpPr>
+      <p:pic>
+        <p:nvPicPr>
+          <p:cNvPr id="7" name="그림 6"/>
+          <p:cNvPicPr>
+            <a:picLocks noChangeAspect="1"/>
+          </p:cNvPicPr>
+          <p:nvPr/>
+        </p:nvPicPr>
+        <p:blipFill>
+          <a:blip r:embed="rId2"/>
+          <a:stretch>
+            <a:fillRect/>
+          </a:stretch>
+        </p:blipFill>
         <p:spPr>
           <a:xfrm>
-            <a:off x="838199" y="2555467"/>
-            <a:ext cx="7634681" cy="2779931"/>
+            <a:off x="1982185" y="2162998"/>
+            <a:ext cx="8227629" cy="3742851"/>
           </a:xfrm>
+          <a:prstGeom prst="rect">
+            <a:avLst/>
+          </a:prstGeom>
         </p:spPr>
-        <p:txBody>
-          <a:bodyPr/>
-          <a:lstStyle/>
-          <a:p>
-            <a:r>
-              <a:rPr lang="ko-KR" altLang="en-US" dirty="0" err="1" smtClean="0"/>
-              <a:t>분류모델</a:t>
-            </a:r>
-            <a:r>
-              <a:rPr lang="en-US" altLang="ko-KR" dirty="0" smtClean="0"/>
-              <a:t>(discriminative model)</a:t>
-            </a:r>
-          </a:p>
-          <a:p>
-            <a:pPr marL="0" indent="0">
-              <a:buNone/>
-            </a:pPr>
-            <a:r>
-              <a:rPr lang="en-US" altLang="ko-KR" dirty="0" smtClean="0"/>
-              <a:t>-&gt; model</a:t>
-            </a:r>
-            <a:r>
-              <a:rPr lang="ko-KR" altLang="en-US" dirty="0" smtClean="0"/>
-              <a:t>의 </a:t>
-            </a:r>
-            <a:r>
-              <a:rPr lang="en-US" altLang="ko-KR" dirty="0" smtClean="0"/>
-              <a:t>output</a:t>
-            </a:r>
-            <a:r>
-              <a:rPr lang="ko-KR" altLang="en-US" dirty="0" smtClean="0"/>
-              <a:t>이 </a:t>
-            </a:r>
-            <a:r>
-              <a:rPr lang="en-US" altLang="ko-KR" dirty="0" smtClean="0"/>
-              <a:t>probability</a:t>
-            </a:r>
-            <a:r>
-              <a:rPr lang="ko-KR" altLang="en-US" dirty="0" smtClean="0"/>
-              <a:t> 라고 가정</a:t>
-            </a:r>
-            <a:endParaRPr lang="en-US" altLang="ko-KR" dirty="0" smtClean="0"/>
-          </a:p>
-          <a:p>
-            <a:pPr marL="0" indent="0">
-              <a:buNone/>
-            </a:pPr>
-            <a:endParaRPr lang="en-US" altLang="ko-KR" dirty="0" smtClean="0"/>
-          </a:p>
-          <a:p>
-            <a:r>
-              <a:rPr lang="ko-KR" altLang="en-US" dirty="0" err="1" smtClean="0"/>
-              <a:t>생성모델</a:t>
-            </a:r>
-            <a:r>
-              <a:rPr lang="en-US" altLang="ko-KR" dirty="0" smtClean="0"/>
-              <a:t>(generative model)</a:t>
-            </a:r>
-          </a:p>
-          <a:p>
-            <a:pPr marL="0" indent="0">
-              <a:buNone/>
-            </a:pPr>
-            <a:r>
-              <a:rPr lang="en-US" altLang="ko-KR" dirty="0" smtClean="0"/>
-              <a:t>-&gt; model</a:t>
-            </a:r>
-            <a:r>
-              <a:rPr lang="ko-KR" altLang="en-US" dirty="0" smtClean="0"/>
-              <a:t>의 </a:t>
-            </a:r>
-            <a:r>
-              <a:rPr lang="en-US" altLang="ko-KR" dirty="0" smtClean="0"/>
-              <a:t>output</a:t>
-            </a:r>
-            <a:r>
-              <a:rPr lang="ko-KR" altLang="en-US" dirty="0" smtClean="0"/>
-              <a:t>이 </a:t>
-            </a:r>
-            <a:r>
-              <a:rPr lang="en-US" altLang="ko-KR" dirty="0" smtClean="0"/>
-              <a:t>distribution </a:t>
-            </a:r>
-            <a:r>
-              <a:rPr lang="ko-KR" altLang="en-US" dirty="0" smtClean="0"/>
-              <a:t>라고 가정</a:t>
-            </a:r>
-            <a:endParaRPr lang="ko-KR" altLang="en-US" dirty="0"/>
-          </a:p>
-        </p:txBody>
-      </p:sp>
+      </p:pic>
     </p:spTree>
     <p:extLst>
       <p:ext uri="{BB962C8B-B14F-4D97-AF65-F5344CB8AC3E}">
@@ -3903,25 +3820,6 @@
           </a:p>
         </p:txBody>
       </p:sp>
-      <p:sp>
-        <p:nvSpPr>
-          <p:cNvPr id="3" name="내용 개체 틀 2"/>
-          <p:cNvSpPr>
-            <a:spLocks noGrp="1"/>
-          </p:cNvSpPr>
-          <p:nvPr>
-            <p:ph idx="1"/>
-          </p:nvPr>
-        </p:nvSpPr>
-        <p:spPr/>
-        <p:txBody>
-          <a:bodyPr/>
-          <a:lstStyle/>
-          <a:p>
-            <a:endParaRPr lang="ko-KR" altLang="en-US" dirty="0"/>
-          </a:p>
-        </p:txBody>
-      </p:sp>
     </p:spTree>
     <p:extLst>
       <p:ext uri="{BB962C8B-B14F-4D97-AF65-F5344CB8AC3E}">
@@ -4074,8 +3972,8 @@
           </a:p>
         </p:txBody>
       </p:sp>
-      <mc:AlternateContent xmlns:mc="http://schemas.openxmlformats.org/markup-compatibility/2006">
-        <mc:Choice xmlns:a14="http://schemas.microsoft.com/office/drawing/2010/main" Requires="a14">
+      <mc:AlternateContent xmlns:mc="http://schemas.openxmlformats.org/markup-compatibility/2006" xmlns:a14="http://schemas.microsoft.com/office/drawing/2010/main">
+        <mc:Choice Requires="a14">
           <p:sp>
             <p:nvSpPr>
               <p:cNvPr id="10" name="TextBox 9"/>
@@ -4098,6 +3996,7 @@
               </a:bodyPr>
               <a:lstStyle/>
               <a:p>
+                <a:pPr/>
                 <a14:m>
                   <m:oMathPara xmlns:m="http://schemas.openxmlformats.org/officeDocument/2006/math">
                     <m:oMathParaPr>
@@ -4199,7 +4098,7 @@
             </p:txBody>
           </p:sp>
         </mc:Choice>
-        <mc:Fallback>
+        <mc:Fallback xmlns="">
           <p:sp>
             <p:nvSpPr>
               <p:cNvPr id="10" name="TextBox 9"/>
@@ -4238,8 +4137,8 @@
           </p:sp>
         </mc:Fallback>
       </mc:AlternateContent>
-      <mc:AlternateContent xmlns:mc="http://schemas.openxmlformats.org/markup-compatibility/2006">
-        <mc:Choice xmlns:a14="http://schemas.microsoft.com/office/drawing/2010/main" Requires="a14">
+      <mc:AlternateContent xmlns:mc="http://schemas.openxmlformats.org/markup-compatibility/2006" xmlns:a14="http://schemas.microsoft.com/office/drawing/2010/main">
+        <mc:Choice Requires="a14">
           <p:sp>
             <p:nvSpPr>
               <p:cNvPr id="11" name="TextBox 10"/>
@@ -4262,6 +4161,7 @@
               </a:bodyPr>
               <a:lstStyle/>
               <a:p>
+                <a:pPr/>
                 <a14:m>
                   <m:oMathPara xmlns:m="http://schemas.openxmlformats.org/officeDocument/2006/math">
                     <m:oMathParaPr>
@@ -4334,7 +4234,7 @@
             </p:txBody>
           </p:sp>
         </mc:Choice>
-        <mc:Fallback>
+        <mc:Fallback xmlns="">
           <p:sp>
             <p:nvSpPr>
               <p:cNvPr id="11" name="TextBox 10"/>
@@ -4373,8 +4273,8 @@
           </p:sp>
         </mc:Fallback>
       </mc:AlternateContent>
-      <mc:AlternateContent xmlns:mc="http://schemas.openxmlformats.org/markup-compatibility/2006">
-        <mc:Choice xmlns:a14="http://schemas.microsoft.com/office/drawing/2010/main" Requires="a14">
+      <mc:AlternateContent xmlns:mc="http://schemas.openxmlformats.org/markup-compatibility/2006" xmlns:a14="http://schemas.microsoft.com/office/drawing/2010/main">
+        <mc:Choice Requires="a14">
           <p:sp>
             <p:nvSpPr>
               <p:cNvPr id="12" name="TextBox 11"/>
@@ -4397,6 +4297,7 @@
               </a:bodyPr>
               <a:lstStyle/>
               <a:p>
+                <a:pPr/>
                 <a14:m>
                   <m:oMathPara xmlns:m="http://schemas.openxmlformats.org/officeDocument/2006/math">
                     <m:oMathParaPr>
@@ -4429,7 +4330,7 @@
             </p:txBody>
           </p:sp>
         </mc:Choice>
-        <mc:Fallback>
+        <mc:Fallback xmlns="">
           <p:sp>
             <p:nvSpPr>
               <p:cNvPr id="12" name="TextBox 11"/>
